--- a/data/slide guides_C_template.pptx
+++ b/data/slide guides_C_template.pptx
@@ -5,12 +5,8 @@
     <p:sldMasterId id="2147483660" r:id="rId1"/>
   </p:sldMasterIdLst>
   <p:notesMasterIdLst>
-    <p:notesMasterId r:id="rId4"/>
+    <p:notesMasterId r:id="rId2"/>
   </p:notesMasterIdLst>
-  <p:sldIdLst>
-    <p:sldId id="256" r:id="rId2"/>
-    <p:sldId id="257" r:id="rId3"/>
-  </p:sldIdLst>
   <p:sldSz cx="24382413" cy="13716000"/>
   <p:notesSz cx="6858000" cy="9144000"/>
   <p:defaultTextStyle>
@@ -112,15 +108,12 @@
     <p:ext uri="{521415D9-36F7-43E2-AB2F-B90AF26B5E84}">
       <p14:sectionLst xmlns:p14="http://schemas.microsoft.com/office/powerpoint/2010/main">
         <p14:section name="가이드용(샘플)" id="{84E71B59-ED6B-1A4D-9645-262CBB83904B}">
-          <p14:sldIdLst>
-            <p14:sldId id="256"/>
-            <p14:sldId id="257"/>
-          </p14:sldIdLst>
+          <p14:sldIdLst/>
         </p14:section>
       </p14:sectionLst>
     </p:ext>
     <p:ext uri="{EFAFB233-063F-42B5-8137-9DF3F51BA10A}">
-      <p15:sldGuideLst xmlns="" xmlns:p15="http://schemas.microsoft.com/office/powerpoint/2012/main">
+      <p15:sldGuideLst xmlns:p15="http://schemas.microsoft.com/office/powerpoint/2012/main">
         <p15:guide id="2" pos="5706" userDrawn="1">
           <p15:clr>
             <a:srgbClr val="A4A3A4"/>
@@ -219,7 +212,7 @@
           <a:p>
             <a:fld id="{82031CEF-AFEB-1A4E-A28F-FBFF94BC0FE1}" type="datetimeFigureOut">
               <a:rPr kumimoji="1" lang="x-none" altLang="en-US" smtClean="0"/>
-              <a:t>2020-09-23</a:t>
+              <a:t>2020. 9. 23.</a:t>
             </a:fld>
             <a:endParaRPr kumimoji="1" lang="x-none" altLang="en-US"/>
           </a:p>
@@ -509,7 +502,7 @@
           <p:cNvPr id="7" name="그림 6">
             <a:extLst>
               <a:ext uri="{FF2B5EF4-FFF2-40B4-BE49-F238E27FC236}">
-                <a16:creationId xmlns="" xmlns:a16="http://schemas.microsoft.com/office/drawing/2014/main" id="{DFBD9B3E-8621-ED40-9D43-7585BA6E84F0}"/>
+                <a16:creationId xmlns:a16="http://schemas.microsoft.com/office/drawing/2014/main" id="{DFBD9B3E-8621-ED40-9D43-7585BA6E84F0}"/>
               </a:ext>
             </a:extLst>
           </p:cNvPr>
@@ -539,7 +532,7 @@
           <p:cNvPr id="13" name="직선 연결선[R] 18">
             <a:extLst>
               <a:ext uri="{FF2B5EF4-FFF2-40B4-BE49-F238E27FC236}">
-                <a16:creationId xmlns="" xmlns:a16="http://schemas.microsoft.com/office/drawing/2014/main" id="{F19AFDA4-04D7-5E48-B89E-694C3C2AD633}"/>
+                <a16:creationId xmlns:a16="http://schemas.microsoft.com/office/drawing/2014/main" id="{F19AFDA4-04D7-5E48-B89E-694C3C2AD633}"/>
               </a:ext>
             </a:extLst>
           </p:cNvPr>
@@ -590,6 +583,9 @@
             <a:off x="8675608" y="2193290"/>
             <a:ext cx="14633280" cy="4440265"/>
           </a:xfrm>
+          <a:prstGeom prst="rect">
+            <a:avLst/>
+          </a:prstGeom>
         </p:spPr>
         <p:txBody>
           <a:bodyPr>
@@ -634,6 +630,9 @@
             <a:off x="8675608" y="8911533"/>
             <a:ext cx="13516206" cy="914400"/>
           </a:xfrm>
+          <a:prstGeom prst="rect">
+            <a:avLst/>
+          </a:prstGeom>
         </p:spPr>
         <p:txBody>
           <a:bodyPr>
@@ -664,7 +663,7 @@
           <a:p>
             <a:pPr lvl="0"/>
             <a:r>
-              <a:rPr lang="ko-KR" altLang="en-US" dirty="0" smtClean="0"/>
+              <a:rPr lang="ko-KR" altLang="en-US" dirty="0"/>
               <a:t>마스터 텍스트 스타일을 편집합니다</a:t>
             </a:r>
           </a:p>
@@ -705,7 +704,7 @@
           <p:cNvPr id="16" name="그룹 15">
             <a:extLst>
               <a:ext uri="{FF2B5EF4-FFF2-40B4-BE49-F238E27FC236}">
-                <a16:creationId xmlns="" xmlns:a16="http://schemas.microsoft.com/office/drawing/2014/main" id="{14A7B455-9171-1440-8138-FFF18720482C}"/>
+                <a16:creationId xmlns:a16="http://schemas.microsoft.com/office/drawing/2014/main" id="{14A7B455-9171-1440-8138-FFF18720482C}"/>
               </a:ext>
             </a:extLst>
           </p:cNvPr>
@@ -725,7 +724,7 @@
             <p:cNvPr id="17" name="TextBox 16">
               <a:extLst>
                 <a:ext uri="{FF2B5EF4-FFF2-40B4-BE49-F238E27FC236}">
-                  <a16:creationId xmlns="" xmlns:a16="http://schemas.microsoft.com/office/drawing/2014/main" id="{073D8BA5-614A-C441-9A52-5FB2314A9777}"/>
+                  <a16:creationId xmlns:a16="http://schemas.microsoft.com/office/drawing/2014/main" id="{073D8BA5-614A-C441-9A52-5FB2314A9777}"/>
                 </a:ext>
               </a:extLst>
             </p:cNvPr>
@@ -818,7 +817,7 @@
             <p:cNvPr id="18" name="그림 17">
               <a:extLst>
                 <a:ext uri="{FF2B5EF4-FFF2-40B4-BE49-F238E27FC236}">
-                  <a16:creationId xmlns="" xmlns:a16="http://schemas.microsoft.com/office/drawing/2014/main" id="{C4F86EA8-CC7F-C846-B350-FCA8FAA0BEE8}"/>
+                  <a16:creationId xmlns:a16="http://schemas.microsoft.com/office/drawing/2014/main" id="{C4F86EA8-CC7F-C846-B350-FCA8FAA0BEE8}"/>
                 </a:ext>
               </a:extLst>
             </p:cNvPr>
@@ -848,7 +847,7 @@
             <p:cNvPr id="19" name="그림 18">
               <a:extLst>
                 <a:ext uri="{FF2B5EF4-FFF2-40B4-BE49-F238E27FC236}">
-                  <a16:creationId xmlns="" xmlns:a16="http://schemas.microsoft.com/office/drawing/2014/main" id="{1846FF54-60EC-7148-BB64-662C8129405B}"/>
+                  <a16:creationId xmlns:a16="http://schemas.microsoft.com/office/drawing/2014/main" id="{1846FF54-60EC-7148-BB64-662C8129405B}"/>
                 </a:ext>
               </a:extLst>
             </p:cNvPr>
@@ -887,8 +886,11 @@
         <p:spPr>
           <a:xfrm>
             <a:off x="5326730" y="1461066"/>
-            <a:ext cx="15344977" cy="914400"/>
+            <a:ext cx="17435993" cy="914400"/>
           </a:xfrm>
+          <a:prstGeom prst="rect">
+            <a:avLst/>
+          </a:prstGeom>
         </p:spPr>
         <p:txBody>
           <a:bodyPr/>
@@ -917,7 +919,7 @@
           <a:p>
             <a:pPr lvl="0"/>
             <a:r>
-              <a:rPr lang="ko-KR" altLang="en-US" dirty="0" smtClean="0"/>
+              <a:rPr lang="ko-KR" altLang="en-US" dirty="0"/>
               <a:t>마스터 텍스트 스타일을 편집합니다</a:t>
             </a:r>
           </a:p>
@@ -938,6 +940,9 @@
             <a:off x="918000" y="3125961"/>
             <a:ext cx="17118301" cy="914400"/>
           </a:xfrm>
+          <a:prstGeom prst="rect">
+            <a:avLst/>
+          </a:prstGeom>
         </p:spPr>
         <p:txBody>
           <a:bodyPr/>
@@ -957,7 +962,7 @@
           <a:p>
             <a:pPr lvl="0"/>
             <a:r>
-              <a:rPr lang="ko-KR" altLang="en-US" dirty="0" smtClean="0"/>
+              <a:rPr lang="ko-KR" altLang="en-US" dirty="0"/>
               <a:t>마스터 텍스트 스타일을 편집합니다</a:t>
             </a:r>
           </a:p>
@@ -978,6 +983,9 @@
             <a:off x="1569262" y="12103735"/>
             <a:ext cx="19102445" cy="914400"/>
           </a:xfrm>
+          <a:prstGeom prst="rect">
+            <a:avLst/>
+          </a:prstGeom>
         </p:spPr>
         <p:txBody>
           <a:bodyPr/>
@@ -997,7 +1005,7 @@
           <a:p>
             <a:pPr lvl="0"/>
             <a:r>
-              <a:rPr lang="ko-KR" altLang="en-US" dirty="0" smtClean="0"/>
+              <a:rPr lang="ko-KR" altLang="en-US" dirty="0"/>
               <a:t>마스터 텍스트 스타일을 편집합니다</a:t>
             </a:r>
           </a:p>
@@ -1038,217 +1046,771 @@
           <a:chExt cx="0" cy="0"/>
         </a:xfrm>
       </p:grpSpPr>
+      <p:grpSp>
+        <p:nvGrpSpPr>
+          <p:cNvPr id="7" name="그룹 6">
+            <a:extLst>
+              <a:ext uri="{FF2B5EF4-FFF2-40B4-BE49-F238E27FC236}">
+                <a16:creationId xmlns:a16="http://schemas.microsoft.com/office/drawing/2014/main" id="{D62B1AAA-26B2-A54D-A39D-9F0188202690}"/>
+              </a:ext>
+            </a:extLst>
+          </p:cNvPr>
+          <p:cNvGrpSpPr/>
+          <p:nvPr userDrawn="1"/>
+        </p:nvGrpSpPr>
+        <p:grpSpPr>
+          <a:xfrm>
+            <a:off x="918000" y="907068"/>
+            <a:ext cx="22605351" cy="553998"/>
+            <a:chOff x="918000" y="907068"/>
+            <a:chExt cx="22605351" cy="553998"/>
+          </a:xfrm>
+        </p:grpSpPr>
+        <p:sp>
+          <p:nvSpPr>
+            <p:cNvPr id="8" name="TextBox 7">
+              <a:extLst>
+                <a:ext uri="{FF2B5EF4-FFF2-40B4-BE49-F238E27FC236}">
+                  <a16:creationId xmlns:a16="http://schemas.microsoft.com/office/drawing/2014/main" id="{9650E435-FF1A-4B4D-9F7A-ABE498853C9B}"/>
+                </a:ext>
+              </a:extLst>
+            </p:cNvPr>
+            <p:cNvSpPr txBox="1"/>
+            <p:nvPr/>
+          </p:nvSpPr>
+          <p:spPr>
+            <a:xfrm>
+              <a:off x="20471810" y="907068"/>
+              <a:ext cx="3051541" cy="553998"/>
+            </a:xfrm>
+            <a:prstGeom prst="rect">
+              <a:avLst/>
+            </a:prstGeom>
+            <a:noFill/>
+          </p:spPr>
+          <p:txBody>
+            <a:bodyPr wrap="square" lIns="0" tIns="0" rIns="0" bIns="0" rtlCol="0">
+              <a:spAutoFit/>
+            </a:bodyPr>
+            <a:lstStyle/>
+            <a:p>
+              <a:pPr algn="r">
+                <a:spcAft>
+                  <a:spcPts val="1000"/>
+                </a:spcAft>
+              </a:pPr>
+              <a:r>
+                <a:rPr kumimoji="1" lang="en-US" altLang="x-none" sz="3500" kern="1500" spc="-150" dirty="0">
+                  <a:solidFill>
+                    <a:schemeClr val="bg1">
+                      <a:lumMod val="50000"/>
+                    </a:schemeClr>
+                  </a:solidFill>
+                  <a:latin typeface="Noto Sans CJK KR Light" panose="020B0300000000000000" pitchFamily="34" charset="-128"/>
+                  <a:ea typeface="Noto Sans CJK KR Light" panose="020B0300000000000000" pitchFamily="34" charset="-128"/>
+                </a:rPr>
+                <a:t>0</a:t>
+              </a:r>
+              <a:r>
+                <a:rPr kumimoji="1" lang="en-US" altLang="ko-KR" sz="3500" kern="1500" spc="-150" dirty="0">
+                  <a:solidFill>
+                    <a:schemeClr val="bg1">
+                      <a:lumMod val="50000"/>
+                    </a:schemeClr>
+                  </a:solidFill>
+                  <a:latin typeface="Noto Sans CJK KR Light" panose="020B0300000000000000" pitchFamily="34" charset="-128"/>
+                  <a:ea typeface="Noto Sans CJK KR Light" panose="020B0300000000000000" pitchFamily="34" charset="-128"/>
+                </a:rPr>
+                <a:t>1</a:t>
+              </a:r>
+              <a:r>
+                <a:rPr kumimoji="1" lang="en-US" altLang="x-none" sz="3500" kern="1500" spc="-150" dirty="0">
+                  <a:solidFill>
+                    <a:schemeClr val="bg1">
+                      <a:lumMod val="50000"/>
+                    </a:schemeClr>
+                  </a:solidFill>
+                  <a:latin typeface="Noto Sans CJK KR Light" panose="020B0300000000000000" pitchFamily="34" charset="-128"/>
+                  <a:ea typeface="Noto Sans CJK KR Light" panose="020B0300000000000000" pitchFamily="34" charset="-128"/>
+                </a:rPr>
+                <a:t> / </a:t>
+              </a:r>
+              <a:r>
+                <a:rPr kumimoji="1" lang="en-US" altLang="ko-KR" sz="3500" kern="1500" spc="-150" dirty="0">
+                  <a:solidFill>
+                    <a:schemeClr val="bg1">
+                      <a:lumMod val="50000"/>
+                    </a:schemeClr>
+                  </a:solidFill>
+                  <a:latin typeface="Noto Sans CJK KR Light" panose="020B0300000000000000" pitchFamily="34" charset="-128"/>
+                  <a:ea typeface="Noto Sans CJK KR Light" panose="020B0300000000000000" pitchFamily="34" charset="-128"/>
+                </a:rPr>
+                <a:t>02</a:t>
+              </a:r>
+              <a:endParaRPr kumimoji="1" lang="x-none" altLang="en-US" sz="3500" kern="1500" spc="-150" dirty="0">
+                <a:solidFill>
+                  <a:schemeClr val="bg1">
+                    <a:lumMod val="50000"/>
+                  </a:schemeClr>
+                </a:solidFill>
+                <a:latin typeface="Noto Sans CJK KR Light" panose="020B0300000000000000" pitchFamily="34" charset="-128"/>
+                <a:ea typeface="Noto Sans CJK KR Light" panose="020B0300000000000000" pitchFamily="34" charset="-128"/>
+              </a:endParaRPr>
+            </a:p>
+          </p:txBody>
+        </p:sp>
+        <p:pic>
+          <p:nvPicPr>
+            <p:cNvPr id="9" name="그림 8">
+              <a:extLst>
+                <a:ext uri="{FF2B5EF4-FFF2-40B4-BE49-F238E27FC236}">
+                  <a16:creationId xmlns:a16="http://schemas.microsoft.com/office/drawing/2014/main" id="{54FFF8DE-E61C-A549-8860-D4154BFF2878}"/>
+                </a:ext>
+              </a:extLst>
+            </p:cNvPr>
+            <p:cNvPicPr>
+              <a:picLocks noChangeAspect="1"/>
+            </p:cNvPicPr>
+            <p:nvPr/>
+          </p:nvPicPr>
+          <p:blipFill>
+            <a:blip r:embed="rId4"/>
+            <a:stretch>
+              <a:fillRect/>
+            </a:stretch>
+          </p:blipFill>
+          <p:spPr>
+            <a:xfrm>
+              <a:off x="5326730" y="1126335"/>
+              <a:ext cx="16560000" cy="39366"/>
+            </a:xfrm>
+            <a:prstGeom prst="rect">
+              <a:avLst/>
+            </a:prstGeom>
+          </p:spPr>
+        </p:pic>
+        <p:pic>
+          <p:nvPicPr>
+            <p:cNvPr id="10" name="그림 9">
+              <a:extLst>
+                <a:ext uri="{FF2B5EF4-FFF2-40B4-BE49-F238E27FC236}">
+                  <a16:creationId xmlns:a16="http://schemas.microsoft.com/office/drawing/2014/main" id="{4D36B53A-7E3D-BA4E-9CA4-DD71B036EAFA}"/>
+                </a:ext>
+              </a:extLst>
+            </p:cNvPr>
+            <p:cNvPicPr>
+              <a:picLocks noChangeAspect="1"/>
+            </p:cNvPicPr>
+            <p:nvPr/>
+          </p:nvPicPr>
+          <p:blipFill>
+            <a:blip r:embed="rId5"/>
+            <a:stretch>
+              <a:fillRect/>
+            </a:stretch>
+          </p:blipFill>
+          <p:spPr>
+            <a:xfrm>
+              <a:off x="918000" y="936000"/>
+              <a:ext cx="4089400" cy="431800"/>
+            </a:xfrm>
+            <a:prstGeom prst="rect">
+              <a:avLst/>
+            </a:prstGeom>
+          </p:spPr>
+        </p:pic>
+      </p:grpSp>
       <p:sp>
         <p:nvSpPr>
-          <p:cNvPr id="2" name="Title Placeholder 1"/>
-          <p:cNvSpPr>
-            <a:spLocks noGrp="1"/>
+          <p:cNvPr id="11" name="내용 개체 틀 2">
+            <a:extLst>
+              <a:ext uri="{FF2B5EF4-FFF2-40B4-BE49-F238E27FC236}">
+                <a16:creationId xmlns:a16="http://schemas.microsoft.com/office/drawing/2014/main" id="{34F29CCD-3E5B-F54D-8D28-276EE92D32BB}"/>
+              </a:ext>
+            </a:extLst>
+          </p:cNvPr>
+          <p:cNvSpPr txBox="1">
+            <a:spLocks/>
           </p:cNvSpPr>
-          <p:nvPr>
-            <p:ph type="title"/>
-          </p:nvPr>
+          <p:nvPr userDrawn="1"/>
         </p:nvSpPr>
         <p:spPr>
           <a:xfrm>
-            <a:off x="1676291" y="730251"/>
-            <a:ext cx="21029831" cy="2651126"/>
+            <a:off x="5326730" y="1461066"/>
+            <a:ext cx="17435993" cy="914400"/>
           </a:xfrm>
           <a:prstGeom prst="rect">
             <a:avLst/>
           </a:prstGeom>
         </p:spPr>
         <p:txBody>
-          <a:bodyPr vert="horz" lIns="91440" tIns="45720" rIns="91440" bIns="45720" rtlCol="0" anchor="ctr">
-            <a:normAutofit/>
-          </a:bodyPr>
-          <a:lstStyle/>
+          <a:bodyPr/>
+          <a:lstStyle>
+            <a:lvl1pPr marL="0" indent="0" algn="l" defTabSz="457200" rtl="0" eaLnBrk="1" latinLnBrk="0" hangingPunct="1">
+              <a:lnSpc>
+                <a:spcPct val="90000"/>
+              </a:lnSpc>
+              <a:spcBef>
+                <a:spcPct val="0"/>
+              </a:spcBef>
+              <a:spcAft>
+                <a:spcPts val="500"/>
+              </a:spcAft>
+              <a:buFont typeface="Arial" panose="020B0604020202020204" pitchFamily="34" charset="0"/>
+              <a:buNone/>
+              <a:defRPr kumimoji="1" lang="ko-KR" altLang="en-US" sz="8000" b="1" kern="1500" spc="-150" dirty="0" smtClean="0">
+                <a:solidFill>
+                  <a:schemeClr val="tx1"/>
+                </a:solidFill>
+                <a:latin typeface="Noto Sans CJK KR Bold" pitchFamily="34" charset="-127"/>
+                <a:ea typeface="Noto Sans CJK KR Bold" pitchFamily="34" charset="-127"/>
+                <a:cs typeface="+mn-cs"/>
+              </a:defRPr>
+            </a:lvl1pPr>
+            <a:lvl2pPr marL="1371531" indent="-457177" algn="l" defTabSz="1828709" rtl="0" eaLnBrk="1" latinLnBrk="0" hangingPunct="1">
+              <a:lnSpc>
+                <a:spcPct val="90000"/>
+              </a:lnSpc>
+              <a:spcBef>
+                <a:spcPts val="1000"/>
+              </a:spcBef>
+              <a:buFont typeface="Arial" panose="020B0604020202020204" pitchFamily="34" charset="0"/>
+              <a:buChar char="•"/>
+              <a:defRPr sz="4800" kern="1200">
+                <a:solidFill>
+                  <a:schemeClr val="tx1"/>
+                </a:solidFill>
+                <a:latin typeface="+mn-lt"/>
+                <a:ea typeface="+mn-ea"/>
+                <a:cs typeface="+mn-cs"/>
+              </a:defRPr>
+            </a:lvl2pPr>
+            <a:lvl3pPr marL="2285886" indent="-457177" algn="l" defTabSz="1828709" rtl="0" eaLnBrk="1" latinLnBrk="0" hangingPunct="1">
+              <a:lnSpc>
+                <a:spcPct val="90000"/>
+              </a:lnSpc>
+              <a:spcBef>
+                <a:spcPts val="1000"/>
+              </a:spcBef>
+              <a:buFont typeface="Arial" panose="020B0604020202020204" pitchFamily="34" charset="0"/>
+              <a:buChar char="•"/>
+              <a:defRPr sz="4000" kern="1200">
+                <a:solidFill>
+                  <a:schemeClr val="tx1"/>
+                </a:solidFill>
+                <a:latin typeface="+mn-lt"/>
+                <a:ea typeface="+mn-ea"/>
+                <a:cs typeface="+mn-cs"/>
+              </a:defRPr>
+            </a:lvl3pPr>
+            <a:lvl4pPr marL="3200240" indent="-457177" algn="l" defTabSz="1828709" rtl="0" eaLnBrk="1" latinLnBrk="0" hangingPunct="1">
+              <a:lnSpc>
+                <a:spcPct val="90000"/>
+              </a:lnSpc>
+              <a:spcBef>
+                <a:spcPts val="1000"/>
+              </a:spcBef>
+              <a:buFont typeface="Arial" panose="020B0604020202020204" pitchFamily="34" charset="0"/>
+              <a:buChar char="•"/>
+              <a:defRPr sz="3600" kern="1200">
+                <a:solidFill>
+                  <a:schemeClr val="tx1"/>
+                </a:solidFill>
+                <a:latin typeface="+mn-lt"/>
+                <a:ea typeface="+mn-ea"/>
+                <a:cs typeface="+mn-cs"/>
+              </a:defRPr>
+            </a:lvl4pPr>
+            <a:lvl5pPr marL="4114594" indent="-457177" algn="l" defTabSz="1828709" rtl="0" eaLnBrk="1" latinLnBrk="0" hangingPunct="1">
+              <a:lnSpc>
+                <a:spcPct val="90000"/>
+              </a:lnSpc>
+              <a:spcBef>
+                <a:spcPts val="1000"/>
+              </a:spcBef>
+              <a:buFont typeface="Arial" panose="020B0604020202020204" pitchFamily="34" charset="0"/>
+              <a:buChar char="•"/>
+              <a:defRPr sz="3600" kern="1200">
+                <a:solidFill>
+                  <a:schemeClr val="tx1"/>
+                </a:solidFill>
+                <a:latin typeface="+mn-lt"/>
+                <a:ea typeface="+mn-ea"/>
+                <a:cs typeface="+mn-cs"/>
+              </a:defRPr>
+            </a:lvl5pPr>
+            <a:lvl6pPr marL="5028949" indent="-457177" algn="l" defTabSz="1828709" rtl="0" eaLnBrk="1" latinLnBrk="0" hangingPunct="1">
+              <a:lnSpc>
+                <a:spcPct val="90000"/>
+              </a:lnSpc>
+              <a:spcBef>
+                <a:spcPts val="1000"/>
+              </a:spcBef>
+              <a:buFont typeface="Arial" panose="020B0604020202020204" pitchFamily="34" charset="0"/>
+              <a:buChar char="•"/>
+              <a:defRPr sz="3600" kern="1200">
+                <a:solidFill>
+                  <a:schemeClr val="tx1"/>
+                </a:solidFill>
+                <a:latin typeface="+mn-lt"/>
+                <a:ea typeface="+mn-ea"/>
+                <a:cs typeface="+mn-cs"/>
+              </a:defRPr>
+            </a:lvl6pPr>
+            <a:lvl7pPr marL="5943303" indent="-457177" algn="l" defTabSz="1828709" rtl="0" eaLnBrk="1" latinLnBrk="0" hangingPunct="1">
+              <a:lnSpc>
+                <a:spcPct val="90000"/>
+              </a:lnSpc>
+              <a:spcBef>
+                <a:spcPts val="1000"/>
+              </a:spcBef>
+              <a:buFont typeface="Arial" panose="020B0604020202020204" pitchFamily="34" charset="0"/>
+              <a:buChar char="•"/>
+              <a:defRPr sz="3600" kern="1200">
+                <a:solidFill>
+                  <a:schemeClr val="tx1"/>
+                </a:solidFill>
+                <a:latin typeface="+mn-lt"/>
+                <a:ea typeface="+mn-ea"/>
+                <a:cs typeface="+mn-cs"/>
+              </a:defRPr>
+            </a:lvl7pPr>
+            <a:lvl8pPr marL="6857657" indent="-457177" algn="l" defTabSz="1828709" rtl="0" eaLnBrk="1" latinLnBrk="0" hangingPunct="1">
+              <a:lnSpc>
+                <a:spcPct val="90000"/>
+              </a:lnSpc>
+              <a:spcBef>
+                <a:spcPts val="1000"/>
+              </a:spcBef>
+              <a:buFont typeface="Arial" panose="020B0604020202020204" pitchFamily="34" charset="0"/>
+              <a:buChar char="•"/>
+              <a:defRPr sz="3600" kern="1200">
+                <a:solidFill>
+                  <a:schemeClr val="tx1"/>
+                </a:solidFill>
+                <a:latin typeface="+mn-lt"/>
+                <a:ea typeface="+mn-ea"/>
+                <a:cs typeface="+mn-cs"/>
+              </a:defRPr>
+            </a:lvl8pPr>
+            <a:lvl9pPr marL="7772011" indent="-457177" algn="l" defTabSz="1828709" rtl="0" eaLnBrk="1" latinLnBrk="0" hangingPunct="1">
+              <a:lnSpc>
+                <a:spcPct val="90000"/>
+              </a:lnSpc>
+              <a:spcBef>
+                <a:spcPts val="1000"/>
+              </a:spcBef>
+              <a:buFont typeface="Arial" panose="020B0604020202020204" pitchFamily="34" charset="0"/>
+              <a:buChar char="•"/>
+              <a:defRPr sz="3600" kern="1200">
+                <a:solidFill>
+                  <a:schemeClr val="tx1"/>
+                </a:solidFill>
+                <a:latin typeface="+mn-lt"/>
+                <a:ea typeface="+mn-ea"/>
+                <a:cs typeface="+mn-cs"/>
+              </a:defRPr>
+            </a:lvl9pPr>
+          </a:lstStyle>
           <a:p>
             <a:r>
-              <a:rPr lang="ko-KR" altLang="en-US" dirty="0"/>
-              <a:t>마스터 제목 스타일 편집</a:t>
+              <a:rPr lang="ko-KR" altLang="en-US"/>
+              <a:t>마스터 텍스트 스타일을 편집합니다</a:t>
             </a:r>
-            <a:endParaRPr lang="en-US" dirty="0"/>
           </a:p>
         </p:txBody>
       </p:sp>
       <p:sp>
         <p:nvSpPr>
-          <p:cNvPr id="3" name="Text Placeholder 2"/>
-          <p:cNvSpPr>
-            <a:spLocks noGrp="1"/>
+          <p:cNvPr id="12" name="내용 개체 틀 4">
+            <a:extLst>
+              <a:ext uri="{FF2B5EF4-FFF2-40B4-BE49-F238E27FC236}">
+                <a16:creationId xmlns:a16="http://schemas.microsoft.com/office/drawing/2014/main" id="{3F0F691B-6642-7C4D-8AD4-F6A8FE97B647}"/>
+              </a:ext>
+            </a:extLst>
+          </p:cNvPr>
+          <p:cNvSpPr txBox="1">
+            <a:spLocks/>
           </p:cNvSpPr>
-          <p:nvPr>
-            <p:ph type="body" idx="1"/>
-          </p:nvPr>
+          <p:nvPr userDrawn="1"/>
         </p:nvSpPr>
         <p:spPr>
           <a:xfrm>
-            <a:off x="1676291" y="3651250"/>
-            <a:ext cx="21029831" cy="8702676"/>
+            <a:off x="918000" y="3125961"/>
+            <a:ext cx="17118301" cy="914400"/>
           </a:xfrm>
           <a:prstGeom prst="rect">
             <a:avLst/>
           </a:prstGeom>
         </p:spPr>
         <p:txBody>
-          <a:bodyPr vert="horz" lIns="91440" tIns="45720" rIns="91440" bIns="45720" rtlCol="0">
-            <a:normAutofit/>
-          </a:bodyPr>
-          <a:lstStyle/>
+          <a:bodyPr/>
+          <a:lstStyle>
+            <a:lvl1pPr marL="0" indent="0" algn="l" defTabSz="1828709" rtl="0" eaLnBrk="1" latinLnBrk="0" hangingPunct="1">
+              <a:lnSpc>
+                <a:spcPct val="90000"/>
+              </a:lnSpc>
+              <a:spcBef>
+                <a:spcPts val="2000"/>
+              </a:spcBef>
+              <a:buFont typeface="Arial" panose="020B0604020202020204" pitchFamily="34" charset="0"/>
+              <a:buNone/>
+              <a:defRPr kumimoji="1" lang="ko-KR" altLang="en-US" sz="7200" b="1" kern="1500" spc="-150" dirty="0" smtClean="0">
+                <a:solidFill>
+                  <a:schemeClr val="tx1"/>
+                </a:solidFill>
+                <a:latin typeface="Noto Sans Mono CJK KR Regular" pitchFamily="34" charset="-127"/>
+                <a:ea typeface="Noto Sans Mono CJK KR Regular" pitchFamily="34" charset="-127"/>
+                <a:cs typeface="+mn-cs"/>
+              </a:defRPr>
+            </a:lvl1pPr>
+            <a:lvl2pPr marL="1371531" indent="-457177" algn="l" defTabSz="1828709" rtl="0" eaLnBrk="1" latinLnBrk="0" hangingPunct="1">
+              <a:lnSpc>
+                <a:spcPct val="90000"/>
+              </a:lnSpc>
+              <a:spcBef>
+                <a:spcPts val="1000"/>
+              </a:spcBef>
+              <a:buFont typeface="Arial" panose="020B0604020202020204" pitchFamily="34" charset="0"/>
+              <a:buChar char="•"/>
+              <a:defRPr sz="4800" kern="1200">
+                <a:solidFill>
+                  <a:schemeClr val="tx1"/>
+                </a:solidFill>
+                <a:latin typeface="+mn-lt"/>
+                <a:ea typeface="+mn-ea"/>
+                <a:cs typeface="+mn-cs"/>
+              </a:defRPr>
+            </a:lvl2pPr>
+            <a:lvl3pPr marL="2285886" indent="-457177" algn="l" defTabSz="1828709" rtl="0" eaLnBrk="1" latinLnBrk="0" hangingPunct="1">
+              <a:lnSpc>
+                <a:spcPct val="90000"/>
+              </a:lnSpc>
+              <a:spcBef>
+                <a:spcPts val="1000"/>
+              </a:spcBef>
+              <a:buFont typeface="Arial" panose="020B0604020202020204" pitchFamily="34" charset="0"/>
+              <a:buChar char="•"/>
+              <a:defRPr sz="4000" kern="1200">
+                <a:solidFill>
+                  <a:schemeClr val="tx1"/>
+                </a:solidFill>
+                <a:latin typeface="+mn-lt"/>
+                <a:ea typeface="+mn-ea"/>
+                <a:cs typeface="+mn-cs"/>
+              </a:defRPr>
+            </a:lvl3pPr>
+            <a:lvl4pPr marL="3200240" indent="-457177" algn="l" defTabSz="1828709" rtl="0" eaLnBrk="1" latinLnBrk="0" hangingPunct="1">
+              <a:lnSpc>
+                <a:spcPct val="90000"/>
+              </a:lnSpc>
+              <a:spcBef>
+                <a:spcPts val="1000"/>
+              </a:spcBef>
+              <a:buFont typeface="Arial" panose="020B0604020202020204" pitchFamily="34" charset="0"/>
+              <a:buChar char="•"/>
+              <a:defRPr sz="3600" kern="1200">
+                <a:solidFill>
+                  <a:schemeClr val="tx1"/>
+                </a:solidFill>
+                <a:latin typeface="+mn-lt"/>
+                <a:ea typeface="+mn-ea"/>
+                <a:cs typeface="+mn-cs"/>
+              </a:defRPr>
+            </a:lvl4pPr>
+            <a:lvl5pPr marL="4114594" indent="-457177" algn="l" defTabSz="1828709" rtl="0" eaLnBrk="1" latinLnBrk="0" hangingPunct="1">
+              <a:lnSpc>
+                <a:spcPct val="90000"/>
+              </a:lnSpc>
+              <a:spcBef>
+                <a:spcPts val="1000"/>
+              </a:spcBef>
+              <a:buFont typeface="Arial" panose="020B0604020202020204" pitchFamily="34" charset="0"/>
+              <a:buChar char="•"/>
+              <a:defRPr sz="3600" kern="1200">
+                <a:solidFill>
+                  <a:schemeClr val="tx1"/>
+                </a:solidFill>
+                <a:latin typeface="+mn-lt"/>
+                <a:ea typeface="+mn-ea"/>
+                <a:cs typeface="+mn-cs"/>
+              </a:defRPr>
+            </a:lvl5pPr>
+            <a:lvl6pPr marL="5028949" indent="-457177" algn="l" defTabSz="1828709" rtl="0" eaLnBrk="1" latinLnBrk="0" hangingPunct="1">
+              <a:lnSpc>
+                <a:spcPct val="90000"/>
+              </a:lnSpc>
+              <a:spcBef>
+                <a:spcPts val="1000"/>
+              </a:spcBef>
+              <a:buFont typeface="Arial" panose="020B0604020202020204" pitchFamily="34" charset="0"/>
+              <a:buChar char="•"/>
+              <a:defRPr sz="3600" kern="1200">
+                <a:solidFill>
+                  <a:schemeClr val="tx1"/>
+                </a:solidFill>
+                <a:latin typeface="+mn-lt"/>
+                <a:ea typeface="+mn-ea"/>
+                <a:cs typeface="+mn-cs"/>
+              </a:defRPr>
+            </a:lvl6pPr>
+            <a:lvl7pPr marL="5943303" indent="-457177" algn="l" defTabSz="1828709" rtl="0" eaLnBrk="1" latinLnBrk="0" hangingPunct="1">
+              <a:lnSpc>
+                <a:spcPct val="90000"/>
+              </a:lnSpc>
+              <a:spcBef>
+                <a:spcPts val="1000"/>
+              </a:spcBef>
+              <a:buFont typeface="Arial" panose="020B0604020202020204" pitchFamily="34" charset="0"/>
+              <a:buChar char="•"/>
+              <a:defRPr sz="3600" kern="1200">
+                <a:solidFill>
+                  <a:schemeClr val="tx1"/>
+                </a:solidFill>
+                <a:latin typeface="+mn-lt"/>
+                <a:ea typeface="+mn-ea"/>
+                <a:cs typeface="+mn-cs"/>
+              </a:defRPr>
+            </a:lvl7pPr>
+            <a:lvl8pPr marL="6857657" indent="-457177" algn="l" defTabSz="1828709" rtl="0" eaLnBrk="1" latinLnBrk="0" hangingPunct="1">
+              <a:lnSpc>
+                <a:spcPct val="90000"/>
+              </a:lnSpc>
+              <a:spcBef>
+                <a:spcPts val="1000"/>
+              </a:spcBef>
+              <a:buFont typeface="Arial" panose="020B0604020202020204" pitchFamily="34" charset="0"/>
+              <a:buChar char="•"/>
+              <a:defRPr sz="3600" kern="1200">
+                <a:solidFill>
+                  <a:schemeClr val="tx1"/>
+                </a:solidFill>
+                <a:latin typeface="+mn-lt"/>
+                <a:ea typeface="+mn-ea"/>
+                <a:cs typeface="+mn-cs"/>
+              </a:defRPr>
+            </a:lvl8pPr>
+            <a:lvl9pPr marL="7772011" indent="-457177" algn="l" defTabSz="1828709" rtl="0" eaLnBrk="1" latinLnBrk="0" hangingPunct="1">
+              <a:lnSpc>
+                <a:spcPct val="90000"/>
+              </a:lnSpc>
+              <a:spcBef>
+                <a:spcPts val="1000"/>
+              </a:spcBef>
+              <a:buFont typeface="Arial" panose="020B0604020202020204" pitchFamily="34" charset="0"/>
+              <a:buChar char="•"/>
+              <a:defRPr sz="3600" kern="1200">
+                <a:solidFill>
+                  <a:schemeClr val="tx1"/>
+                </a:solidFill>
+                <a:latin typeface="+mn-lt"/>
+                <a:ea typeface="+mn-ea"/>
+                <a:cs typeface="+mn-cs"/>
+              </a:defRPr>
+            </a:lvl9pPr>
+          </a:lstStyle>
           <a:p>
-            <a:pPr lvl="0"/>
             <a:r>
-              <a:rPr lang="ko-KR" altLang="en-US" dirty="0"/>
-              <a:t>마스터 텍스트 스타일을 편집하려면 클릭</a:t>
+              <a:rPr lang="ko-KR" altLang="en-US"/>
+              <a:t>마스터 텍스트 스타일을 편집합니다</a:t>
             </a:r>
-          </a:p>
-          <a:p>
-            <a:pPr lvl="1"/>
-            <a:r>
-              <a:rPr lang="ko-KR" altLang="en-US" dirty="0"/>
-              <a:t>두 번째 수준</a:t>
-            </a:r>
-          </a:p>
-          <a:p>
-            <a:pPr lvl="2"/>
-            <a:r>
-              <a:rPr lang="ko-KR" altLang="en-US" dirty="0"/>
-              <a:t>세 번째 수준</a:t>
-            </a:r>
-          </a:p>
-          <a:p>
-            <a:pPr lvl="3"/>
-            <a:r>
-              <a:rPr lang="ko-KR" altLang="en-US" dirty="0"/>
-              <a:t>네 번째 수준</a:t>
-            </a:r>
-          </a:p>
-          <a:p>
-            <a:pPr lvl="4"/>
-            <a:r>
-              <a:rPr lang="ko-KR" altLang="en-US" dirty="0"/>
-              <a:t>다섯 번째 수준</a:t>
-            </a:r>
-            <a:endParaRPr lang="en-US" dirty="0"/>
           </a:p>
         </p:txBody>
       </p:sp>
       <p:sp>
         <p:nvSpPr>
-          <p:cNvPr id="4" name="Date Placeholder 3"/>
-          <p:cNvSpPr>
-            <a:spLocks noGrp="1"/>
+          <p:cNvPr id="13" name="내용 개체 틀 22">
+            <a:extLst>
+              <a:ext uri="{FF2B5EF4-FFF2-40B4-BE49-F238E27FC236}">
+                <a16:creationId xmlns:a16="http://schemas.microsoft.com/office/drawing/2014/main" id="{00AA8EEA-6D46-A24E-9CD1-6E6C6CCCD2C0}"/>
+              </a:ext>
+            </a:extLst>
+          </p:cNvPr>
+          <p:cNvSpPr txBox="1">
+            <a:spLocks/>
           </p:cNvSpPr>
-          <p:nvPr>
-            <p:ph type="dt" sz="half" idx="2"/>
-          </p:nvPr>
+          <p:nvPr userDrawn="1"/>
         </p:nvSpPr>
         <p:spPr>
           <a:xfrm>
-            <a:off x="1676291" y="12712701"/>
-            <a:ext cx="5486043" cy="730250"/>
+            <a:off x="1569262" y="12103735"/>
+            <a:ext cx="19102445" cy="914400"/>
           </a:xfrm>
           <a:prstGeom prst="rect">
             <a:avLst/>
           </a:prstGeom>
         </p:spPr>
         <p:txBody>
-          <a:bodyPr vert="horz" lIns="91440" tIns="45720" rIns="91440" bIns="45720" rtlCol="0" anchor="ctr"/>
+          <a:bodyPr/>
           <a:lstStyle>
-            <a:lvl1pPr algn="l">
-              <a:defRPr sz="2400">
-                <a:solidFill>
-                  <a:schemeClr val="tx1">
-                    <a:tint val="75000"/>
-                  </a:schemeClr>
-                </a:solidFill>
+            <a:lvl1pPr marL="0" indent="0" algn="l" defTabSz="1828709" rtl="0" eaLnBrk="1" latinLnBrk="0" hangingPunct="1">
+              <a:lnSpc>
+                <a:spcPct val="90000"/>
+              </a:lnSpc>
+              <a:spcBef>
+                <a:spcPts val="2000"/>
+              </a:spcBef>
+              <a:buFont typeface="Arial" panose="020B0604020202020204" pitchFamily="34" charset="0"/>
+              <a:buNone/>
+              <a:defRPr kumimoji="1" lang="ko-KR" altLang="en-US" sz="4000" b="0" kern="1500" spc="-150" dirty="0" smtClean="0">
+                <a:solidFill>
+                  <a:schemeClr val="tx1"/>
+                </a:solidFill>
+                <a:latin typeface="Noto Sans CJK KR Regular" pitchFamily="34" charset="-127"/>
+                <a:ea typeface="Noto Sans CJK KR Regular" pitchFamily="34" charset="-127"/>
+                <a:cs typeface="+mn-cs"/>
               </a:defRPr>
             </a:lvl1pPr>
+            <a:lvl2pPr marL="1371531" indent="-457177" algn="l" defTabSz="1828709" rtl="0" eaLnBrk="1" latinLnBrk="0" hangingPunct="1">
+              <a:lnSpc>
+                <a:spcPct val="90000"/>
+              </a:lnSpc>
+              <a:spcBef>
+                <a:spcPts val="1000"/>
+              </a:spcBef>
+              <a:buFont typeface="Arial" panose="020B0604020202020204" pitchFamily="34" charset="0"/>
+              <a:buChar char="•"/>
+              <a:defRPr sz="4800" kern="1200">
+                <a:solidFill>
+                  <a:schemeClr val="tx1"/>
+                </a:solidFill>
+                <a:latin typeface="+mn-lt"/>
+                <a:ea typeface="+mn-ea"/>
+                <a:cs typeface="+mn-cs"/>
+              </a:defRPr>
+            </a:lvl2pPr>
+            <a:lvl3pPr marL="2285886" indent="-457177" algn="l" defTabSz="1828709" rtl="0" eaLnBrk="1" latinLnBrk="0" hangingPunct="1">
+              <a:lnSpc>
+                <a:spcPct val="90000"/>
+              </a:lnSpc>
+              <a:spcBef>
+                <a:spcPts val="1000"/>
+              </a:spcBef>
+              <a:buFont typeface="Arial" panose="020B0604020202020204" pitchFamily="34" charset="0"/>
+              <a:buChar char="•"/>
+              <a:defRPr sz="4000" kern="1200">
+                <a:solidFill>
+                  <a:schemeClr val="tx1"/>
+                </a:solidFill>
+                <a:latin typeface="+mn-lt"/>
+                <a:ea typeface="+mn-ea"/>
+                <a:cs typeface="+mn-cs"/>
+              </a:defRPr>
+            </a:lvl3pPr>
+            <a:lvl4pPr marL="3200240" indent="-457177" algn="l" defTabSz="1828709" rtl="0" eaLnBrk="1" latinLnBrk="0" hangingPunct="1">
+              <a:lnSpc>
+                <a:spcPct val="90000"/>
+              </a:lnSpc>
+              <a:spcBef>
+                <a:spcPts val="1000"/>
+              </a:spcBef>
+              <a:buFont typeface="Arial" panose="020B0604020202020204" pitchFamily="34" charset="0"/>
+              <a:buChar char="•"/>
+              <a:defRPr sz="3600" kern="1200">
+                <a:solidFill>
+                  <a:schemeClr val="tx1"/>
+                </a:solidFill>
+                <a:latin typeface="+mn-lt"/>
+                <a:ea typeface="+mn-ea"/>
+                <a:cs typeface="+mn-cs"/>
+              </a:defRPr>
+            </a:lvl4pPr>
+            <a:lvl5pPr marL="4114594" indent="-457177" algn="l" defTabSz="1828709" rtl="0" eaLnBrk="1" latinLnBrk="0" hangingPunct="1">
+              <a:lnSpc>
+                <a:spcPct val="90000"/>
+              </a:lnSpc>
+              <a:spcBef>
+                <a:spcPts val="1000"/>
+              </a:spcBef>
+              <a:buFont typeface="Arial" panose="020B0604020202020204" pitchFamily="34" charset="0"/>
+              <a:buChar char="•"/>
+              <a:defRPr sz="3600" kern="1200">
+                <a:solidFill>
+                  <a:schemeClr val="tx1"/>
+                </a:solidFill>
+                <a:latin typeface="+mn-lt"/>
+                <a:ea typeface="+mn-ea"/>
+                <a:cs typeface="+mn-cs"/>
+              </a:defRPr>
+            </a:lvl5pPr>
+            <a:lvl6pPr marL="5028949" indent="-457177" algn="l" defTabSz="1828709" rtl="0" eaLnBrk="1" latinLnBrk="0" hangingPunct="1">
+              <a:lnSpc>
+                <a:spcPct val="90000"/>
+              </a:lnSpc>
+              <a:spcBef>
+                <a:spcPts val="1000"/>
+              </a:spcBef>
+              <a:buFont typeface="Arial" panose="020B0604020202020204" pitchFamily="34" charset="0"/>
+              <a:buChar char="•"/>
+              <a:defRPr sz="3600" kern="1200">
+                <a:solidFill>
+                  <a:schemeClr val="tx1"/>
+                </a:solidFill>
+                <a:latin typeface="+mn-lt"/>
+                <a:ea typeface="+mn-ea"/>
+                <a:cs typeface="+mn-cs"/>
+              </a:defRPr>
+            </a:lvl6pPr>
+            <a:lvl7pPr marL="5943303" indent="-457177" algn="l" defTabSz="1828709" rtl="0" eaLnBrk="1" latinLnBrk="0" hangingPunct="1">
+              <a:lnSpc>
+                <a:spcPct val="90000"/>
+              </a:lnSpc>
+              <a:spcBef>
+                <a:spcPts val="1000"/>
+              </a:spcBef>
+              <a:buFont typeface="Arial" panose="020B0604020202020204" pitchFamily="34" charset="0"/>
+              <a:buChar char="•"/>
+              <a:defRPr sz="3600" kern="1200">
+                <a:solidFill>
+                  <a:schemeClr val="tx1"/>
+                </a:solidFill>
+                <a:latin typeface="+mn-lt"/>
+                <a:ea typeface="+mn-ea"/>
+                <a:cs typeface="+mn-cs"/>
+              </a:defRPr>
+            </a:lvl7pPr>
+            <a:lvl8pPr marL="6857657" indent="-457177" algn="l" defTabSz="1828709" rtl="0" eaLnBrk="1" latinLnBrk="0" hangingPunct="1">
+              <a:lnSpc>
+                <a:spcPct val="90000"/>
+              </a:lnSpc>
+              <a:spcBef>
+                <a:spcPts val="1000"/>
+              </a:spcBef>
+              <a:buFont typeface="Arial" panose="020B0604020202020204" pitchFamily="34" charset="0"/>
+              <a:buChar char="•"/>
+              <a:defRPr sz="3600" kern="1200">
+                <a:solidFill>
+                  <a:schemeClr val="tx1"/>
+                </a:solidFill>
+                <a:latin typeface="+mn-lt"/>
+                <a:ea typeface="+mn-ea"/>
+                <a:cs typeface="+mn-cs"/>
+              </a:defRPr>
+            </a:lvl8pPr>
+            <a:lvl9pPr marL="7772011" indent="-457177" algn="l" defTabSz="1828709" rtl="0" eaLnBrk="1" latinLnBrk="0" hangingPunct="1">
+              <a:lnSpc>
+                <a:spcPct val="90000"/>
+              </a:lnSpc>
+              <a:spcBef>
+                <a:spcPts val="1000"/>
+              </a:spcBef>
+              <a:buFont typeface="Arial" panose="020B0604020202020204" pitchFamily="34" charset="0"/>
+              <a:buChar char="•"/>
+              <a:defRPr sz="3600" kern="1200">
+                <a:solidFill>
+                  <a:schemeClr val="tx1"/>
+                </a:solidFill>
+                <a:latin typeface="+mn-lt"/>
+                <a:ea typeface="+mn-ea"/>
+                <a:cs typeface="+mn-cs"/>
+              </a:defRPr>
+            </a:lvl9pPr>
           </a:lstStyle>
           <a:p>
-            <a:fld id="{9FB9614D-C823-B348-8996-13B6F253B676}" type="datetimeFigureOut">
-              <a:rPr kumimoji="1" lang="x-none" altLang="en-US" smtClean="0"/>
-              <a:t>2020-09-23</a:t>
-            </a:fld>
-            <a:endParaRPr kumimoji="1" lang="x-none" altLang="en-US"/>
-          </a:p>
-        </p:txBody>
-      </p:sp>
-      <p:sp>
-        <p:nvSpPr>
-          <p:cNvPr id="5" name="Footer Placeholder 4"/>
-          <p:cNvSpPr>
-            <a:spLocks noGrp="1"/>
-          </p:cNvSpPr>
-          <p:nvPr>
-            <p:ph type="ftr" sz="quarter" idx="3"/>
-          </p:nvPr>
-        </p:nvSpPr>
-        <p:spPr>
-          <a:xfrm>
-            <a:off x="8076675" y="12712701"/>
-            <a:ext cx="8229064" cy="730250"/>
-          </a:xfrm>
-          <a:prstGeom prst="rect">
-            <a:avLst/>
-          </a:prstGeom>
-        </p:spPr>
-        <p:txBody>
-          <a:bodyPr vert="horz" lIns="91440" tIns="45720" rIns="91440" bIns="45720" rtlCol="0" anchor="ctr"/>
-          <a:lstStyle>
-            <a:lvl1pPr algn="ctr">
-              <a:defRPr sz="2400">
-                <a:solidFill>
-                  <a:schemeClr val="tx1">
-                    <a:tint val="75000"/>
-                  </a:schemeClr>
-                </a:solidFill>
-              </a:defRPr>
-            </a:lvl1pPr>
-          </a:lstStyle>
-          <a:p>
-            <a:endParaRPr kumimoji="1" lang="x-none" altLang="en-US"/>
-          </a:p>
-        </p:txBody>
-      </p:sp>
-      <p:sp>
-        <p:nvSpPr>
-          <p:cNvPr id="6" name="Slide Number Placeholder 5"/>
-          <p:cNvSpPr>
-            <a:spLocks noGrp="1"/>
-          </p:cNvSpPr>
-          <p:nvPr>
-            <p:ph type="sldNum" sz="quarter" idx="4"/>
-          </p:nvPr>
-        </p:nvSpPr>
-        <p:spPr>
-          <a:xfrm>
-            <a:off x="17220079" y="12712701"/>
-            <a:ext cx="5486043" cy="730250"/>
-          </a:xfrm>
-          <a:prstGeom prst="rect">
-            <a:avLst/>
-          </a:prstGeom>
-        </p:spPr>
-        <p:txBody>
-          <a:bodyPr vert="horz" lIns="91440" tIns="45720" rIns="91440" bIns="45720" rtlCol="0" anchor="ctr"/>
-          <a:lstStyle>
-            <a:lvl1pPr algn="r">
-              <a:defRPr sz="2400">
-                <a:solidFill>
-                  <a:schemeClr val="tx1">
-                    <a:tint val="75000"/>
-                  </a:schemeClr>
-                </a:solidFill>
-              </a:defRPr>
-            </a:lvl1pPr>
-          </a:lstStyle>
-          <a:p>
-            <a:fld id="{F60DD575-DA1C-5542-92E8-FFBAEB621BDC}" type="slidenum">
-              <a:rPr kumimoji="1" lang="x-none" altLang="en-US" smtClean="0"/>
-              <a:t>‹#›</a:t>
-            </a:fld>
-            <a:endParaRPr kumimoji="1" lang="x-none" altLang="en-US"/>
+            <a:r>
+              <a:rPr lang="ko-KR" altLang="en-US"/>
+              <a:t>마스터 텍스트 스타일을 편집합니다</a:t>
+            </a:r>
           </a:p>
         </p:txBody>
       </p:sp>
@@ -1547,165 +2109,6 @@
 </p:sldMaster>
 </file>
 
-<file path=ppt/slides/slide1.xml><?xml version="1.0" encoding="utf-8"?>
-<p:sld xmlns:a="http://schemas.openxmlformats.org/drawingml/2006/main" xmlns:r="http://schemas.openxmlformats.org/officeDocument/2006/relationships" xmlns:p="http://schemas.openxmlformats.org/presentationml/2006/main">
-  <p:cSld>
-    <p:spTree>
-      <p:nvGrpSpPr>
-        <p:cNvPr id="1" name=""/>
-        <p:cNvGrpSpPr/>
-        <p:nvPr/>
-      </p:nvGrpSpPr>
-      <p:grpSpPr>
-        <a:xfrm>
-          <a:off x="0" y="0"/>
-          <a:ext cx="0" cy="0"/>
-          <a:chOff x="0" y="0"/>
-          <a:chExt cx="0" cy="0"/>
-        </a:xfrm>
-      </p:grpSpPr>
-      <p:sp>
-        <p:nvSpPr>
-          <p:cNvPr id="2" name="제목 1"/>
-          <p:cNvSpPr>
-            <a:spLocks noGrp="1"/>
-          </p:cNvSpPr>
-          <p:nvPr>
-            <p:ph type="title"/>
-          </p:nvPr>
-        </p:nvSpPr>
-        <p:spPr/>
-        <p:txBody>
-          <a:bodyPr/>
-          <a:lstStyle/>
-          <a:p>
-            <a:endParaRPr lang="ko-KR" altLang="en-US" dirty="0"/>
-          </a:p>
-        </p:txBody>
-      </p:sp>
-      <p:sp>
-        <p:nvSpPr>
-          <p:cNvPr id="3" name="내용 개체 틀 2"/>
-          <p:cNvSpPr>
-            <a:spLocks noGrp="1"/>
-          </p:cNvSpPr>
-          <p:nvPr>
-            <p:ph sz="quarter" idx="10"/>
-          </p:nvPr>
-        </p:nvSpPr>
-        <p:spPr/>
-        <p:txBody>
-          <a:bodyPr/>
-          <a:lstStyle/>
-          <a:p>
-            <a:endParaRPr lang="ko-KR" altLang="en-US" dirty="0"/>
-          </a:p>
-        </p:txBody>
-      </p:sp>
-    </p:spTree>
-    <p:extLst>
-      <p:ext uri="{BB962C8B-B14F-4D97-AF65-F5344CB8AC3E}">
-        <p14:creationId xmlns:p14="http://schemas.microsoft.com/office/powerpoint/2010/main" val="1471616068"/>
-      </p:ext>
-    </p:extLst>
-  </p:cSld>
-  <p:clrMapOvr>
-    <a:masterClrMapping/>
-  </p:clrMapOvr>
-</p:sld>
-</file>
-
-<file path=ppt/slides/slide2.xml><?xml version="1.0" encoding="utf-8"?>
-<p:sld xmlns:a="http://schemas.openxmlformats.org/drawingml/2006/main" xmlns:r="http://schemas.openxmlformats.org/officeDocument/2006/relationships" xmlns:p="http://schemas.openxmlformats.org/presentationml/2006/main">
-  <p:cSld>
-    <p:spTree>
-      <p:nvGrpSpPr>
-        <p:cNvPr id="1" name=""/>
-        <p:cNvGrpSpPr/>
-        <p:nvPr/>
-      </p:nvGrpSpPr>
-      <p:grpSpPr>
-        <a:xfrm>
-          <a:off x="0" y="0"/>
-          <a:ext cx="0" cy="0"/>
-          <a:chOff x="0" y="0"/>
-          <a:chExt cx="0" cy="0"/>
-        </a:xfrm>
-      </p:grpSpPr>
-      <p:sp>
-        <p:nvSpPr>
-          <p:cNvPr id="2" name="내용 개체 틀 1"/>
-          <p:cNvSpPr>
-            <a:spLocks noGrp="1"/>
-          </p:cNvSpPr>
-          <p:nvPr>
-            <p:ph sz="quarter" idx="10"/>
-          </p:nvPr>
-        </p:nvSpPr>
-        <p:spPr/>
-        <p:txBody>
-          <a:bodyPr>
-            <a:normAutofit fontScale="92500" lnSpcReduction="20000"/>
-          </a:bodyPr>
-          <a:lstStyle/>
-          <a:p>
-            <a:endParaRPr lang="ko-KR" altLang="en-US"/>
-          </a:p>
-        </p:txBody>
-      </p:sp>
-      <p:sp>
-        <p:nvSpPr>
-          <p:cNvPr id="3" name="내용 개체 틀 2"/>
-          <p:cNvSpPr>
-            <a:spLocks noGrp="1"/>
-          </p:cNvSpPr>
-          <p:nvPr>
-            <p:ph sz="quarter" idx="11"/>
-          </p:nvPr>
-        </p:nvSpPr>
-        <p:spPr/>
-        <p:txBody>
-          <a:bodyPr>
-            <a:normAutofit fontScale="92500" lnSpcReduction="10000"/>
-          </a:bodyPr>
-          <a:lstStyle/>
-          <a:p>
-            <a:endParaRPr lang="ko-KR" altLang="en-US"/>
-          </a:p>
-        </p:txBody>
-      </p:sp>
-      <p:sp>
-        <p:nvSpPr>
-          <p:cNvPr id="4" name="내용 개체 틀 3"/>
-          <p:cNvSpPr>
-            <a:spLocks noGrp="1"/>
-          </p:cNvSpPr>
-          <p:nvPr>
-            <p:ph sz="quarter" idx="12"/>
-          </p:nvPr>
-        </p:nvSpPr>
-        <p:spPr/>
-        <p:txBody>
-          <a:bodyPr/>
-          <a:lstStyle/>
-          <a:p>
-            <a:endParaRPr lang="ko-KR" altLang="en-US"/>
-          </a:p>
-        </p:txBody>
-      </p:sp>
-    </p:spTree>
-    <p:extLst>
-      <p:ext uri="{BB962C8B-B14F-4D97-AF65-F5344CB8AC3E}">
-        <p14:creationId xmlns:p14="http://schemas.microsoft.com/office/powerpoint/2010/main" val="2095356679"/>
-      </p:ext>
-    </p:extLst>
-  </p:cSld>
-  <p:clrMapOvr>
-    <a:masterClrMapping/>
-  </p:clrMapOvr>
-</p:sld>
-</file>
-
 <file path=ppt/theme/theme1.xml><?xml version="1.0" encoding="utf-8"?>
 <a:theme xmlns:a="http://schemas.openxmlformats.org/drawingml/2006/main" name="Office 테마">
   <a:themeElements>
@@ -1961,7 +2364,7 @@
   <a:extraClrSchemeLst/>
   <a:extLst>
     <a:ext uri="{05A4C25C-085E-4340-85A3-A5531E510DB2}">
-      <thm15:themeFamily xmlns="" xmlns:thm15="http://schemas.microsoft.com/office/thememl/2012/main" name="Office Theme" id="{62F939B6-93AF-4DB8-9C6B-D6C7DFDC589F}" vid="{4A3C46E8-61CC-4603-A589-7422A47A8E4A}"/>
+      <thm15:themeFamily xmlns:thm15="http://schemas.microsoft.com/office/thememl/2012/main" name="Office Theme" id="{62F939B6-93AF-4DB8-9C6B-D6C7DFDC589F}" vid="{4A3C46E8-61CC-4603-A589-7422A47A8E4A}"/>
     </a:ext>
   </a:extLst>
 </a:theme>
@@ -2256,7 +2659,7 @@
   <a:extraClrSchemeLst/>
   <a:extLst>
     <a:ext uri="{05A4C25C-085E-4340-85A3-A5531E510DB2}">
-      <thm15:themeFamily xmlns="" xmlns:thm15="http://schemas.microsoft.com/office/thememl/2012/main" name="Office Theme" id="{62F939B6-93AF-4DB8-9C6B-D6C7DFDC589F}" vid="{4A3C46E8-61CC-4603-A589-7422A47A8E4A}"/>
+      <thm15:themeFamily xmlns:thm15="http://schemas.microsoft.com/office/thememl/2012/main" name="Office Theme" id="{62F939B6-93AF-4DB8-9C6B-D6C7DFDC589F}" vid="{4A3C46E8-61CC-4603-A589-7422A47A8E4A}"/>
     </a:ext>
   </a:extLst>
 </a:theme>
